--- a/src/assets/test.pptx
+++ b/src/assets/test.pptx
@@ -8,7 +8,7 @@
     <p:notesMasterId r:id="rId7"/>
   </p:notesMasterIdLst>
   <p:handoutMasterIdLst>
-    <p:handoutMasterId r:id="rId15"/>
+    <p:handoutMasterId r:id="rId18"/>
   </p:handoutMasterIdLst>
   <p:sldIdLst>
     <p:sldId id="257" r:id="rId3"/>
@@ -16,12 +16,15 @@
     <p:sldId id="262" r:id="rId5"/>
     <p:sldId id="256" r:id="rId6"/>
     <p:sldId id="269" r:id="rId8"/>
-    <p:sldId id="275" r:id="rId9"/>
-    <p:sldId id="258" r:id="rId10"/>
-    <p:sldId id="274" r:id="rId11"/>
-    <p:sldId id="263" r:id="rId12"/>
-    <p:sldId id="259" r:id="rId13"/>
-    <p:sldId id="260" r:id="rId14"/>
+    <p:sldId id="283" r:id="rId9"/>
+    <p:sldId id="275" r:id="rId10"/>
+    <p:sldId id="258" r:id="rId11"/>
+    <p:sldId id="274" r:id="rId12"/>
+    <p:sldId id="263" r:id="rId13"/>
+    <p:sldId id="259" r:id="rId14"/>
+    <p:sldId id="260" r:id="rId15"/>
+    <p:sldId id="281" r:id="rId16"/>
+    <p:sldId id="282" r:id="rId17"/>
   </p:sldIdLst>
   <p:sldSz cx="12192000" cy="6858000"/>
   <p:notesSz cx="7103745" cy="10234295"/>
@@ -123,7 +126,7 @@
   <p:extLst>
     <p:ext uri="{EFAFB233-063F-42B5-8137-9DF3F51BA10A}">
       <p15:sldGuideLst xmlns:p15="http://schemas.microsoft.com/office/powerpoint/2012/main">
-        <p15:guide id="1" orient="horz" pos="2190" userDrawn="1">
+        <p15:guide id="1" orient="horz" pos="2160" userDrawn="1">
           <p15:clr>
             <a:srgbClr val="A4A3A4"/>
           </p15:clr>
@@ -3972,6 +3975,62 @@
           <a:chExt cx="0" cy="0"/>
         </a:xfrm>
       </p:grpSpPr>
+      <p:pic>
+        <p:nvPicPr>
+          <p:cNvPr id="2" name="图片 1"/>
+          <p:cNvPicPr>
+            <a:picLocks noChangeAspect="1"/>
+          </p:cNvPicPr>
+          <p:nvPr>
+            <p:custDataLst>
+              <p:tags r:id="rId1"/>
+            </p:custDataLst>
+          </p:nvPr>
+        </p:nvPicPr>
+        <p:blipFill>
+          <a:blip r:embed="rId2"/>
+          <a:stretch>
+            <a:fillRect/>
+          </a:stretch>
+        </p:blipFill>
+        <p:spPr>
+          <a:xfrm>
+            <a:off x="1619885" y="0"/>
+            <a:ext cx="8952230" cy="6858000"/>
+          </a:xfrm>
+          <a:prstGeom prst="rect">
+            <a:avLst/>
+          </a:prstGeom>
+        </p:spPr>
+      </p:pic>
+      <p:pic>
+        <p:nvPicPr>
+          <p:cNvPr id="3" name="图片 2"/>
+          <p:cNvPicPr>
+            <a:picLocks noChangeAspect="1"/>
+          </p:cNvPicPr>
+          <p:nvPr>
+            <p:custDataLst>
+              <p:tags r:id="rId3"/>
+            </p:custDataLst>
+          </p:nvPr>
+        </p:nvPicPr>
+        <p:blipFill>
+          <a:blip r:embed="rId2"/>
+          <a:stretch>
+            <a:fillRect/>
+          </a:stretch>
+        </p:blipFill>
+        <p:spPr>
+          <a:xfrm>
+            <a:off x="1063625" y="-104775"/>
+            <a:ext cx="8952230" cy="6858000"/>
+          </a:xfrm>
+          <a:prstGeom prst="rect">
+            <a:avLst/>
+          </a:prstGeom>
+        </p:spPr>
+      </p:pic>
     </p:spTree>
   </p:cSld>
   <p:clrMapOvr>
@@ -3997,6 +4056,888 @@
           <a:chExt cx="0" cy="0"/>
         </a:xfrm>
       </p:grpSpPr>
+      <p:pic>
+        <p:nvPicPr>
+          <p:cNvPr id="2" name="图片 1"/>
+          <p:cNvPicPr>
+            <a:picLocks noChangeAspect="1"/>
+          </p:cNvPicPr>
+          <p:nvPr>
+            <p:custDataLst>
+              <p:tags r:id="rId1"/>
+            </p:custDataLst>
+          </p:nvPr>
+        </p:nvPicPr>
+        <p:blipFill>
+          <a:blip r:embed="rId2"/>
+          <a:stretch>
+            <a:fillRect/>
+          </a:stretch>
+        </p:blipFill>
+        <p:spPr>
+          <a:xfrm>
+            <a:off x="3724275" y="2638425"/>
+            <a:ext cx="4743450" cy="1581150"/>
+          </a:xfrm>
+          <a:prstGeom prst="rect">
+            <a:avLst/>
+          </a:prstGeom>
+        </p:spPr>
+      </p:pic>
+    </p:spTree>
+  </p:cSld>
+  <p:clrMapOvr>
+    <a:masterClrMapping/>
+  </p:clrMapOvr>
+</p:sld>
+</file>
+
+<file path=ppt/slides/slide12.xml><?xml version="1.0" encoding="utf-8"?>
+<p:sld xmlns:a="http://schemas.openxmlformats.org/drawingml/2006/main" xmlns:r="http://schemas.openxmlformats.org/officeDocument/2006/relationships" xmlns:p="http://schemas.openxmlformats.org/presentationml/2006/main">
+  <p:cSld>
+    <p:spTree>
+      <p:nvGrpSpPr>
+        <p:cNvPr id="1" name=""/>
+        <p:cNvGrpSpPr/>
+        <p:nvPr/>
+      </p:nvGrpSpPr>
+      <p:grpSpPr>
+        <a:xfrm>
+          <a:off x="0" y="0"/>
+          <a:ext cx="0" cy="0"/>
+          <a:chOff x="0" y="0"/>
+          <a:chExt cx="0" cy="0"/>
+        </a:xfrm>
+      </p:grpSpPr>
+      <p:sp>
+        <p:nvSpPr>
+          <p:cNvPr id="2" name="文本框 1"/>
+          <p:cNvSpPr txBox="1"/>
+          <p:nvPr/>
+        </p:nvSpPr>
+        <p:spPr>
+          <a:xfrm>
+            <a:off x="3048000" y="890270"/>
+            <a:ext cx="6096000" cy="3692525"/>
+          </a:xfrm>
+          <a:prstGeom prst="rect">
+            <a:avLst/>
+          </a:prstGeom>
+          <a:noFill/>
+        </p:spPr>
+        <p:txBody>
+          <a:bodyPr wrap="square" rtlCol="0" anchor="t">
+            <a:spAutoFit/>
+          </a:bodyPr>
+          <a:p>
+            <a:r>
+              <a:rPr lang="zh-CN" altLang="en-US"/>
+              <a:t>4.1 为什么使用大图片 Icon 打印出来还模糊</a:t>
+            </a:r>
+            <a:endParaRPr lang="zh-CN" altLang="en-US"/>
+          </a:p>
+          <a:p>
+            <a:r>
+              <a:rPr lang="zh-CN" altLang="en-US"/>
+              <a:t>在理论上，一个位图像素应该对应一个物理像素，这样图片才能完美清晰地展示。在普通屏幕上，这没有问题，但在Retina屏幕上，由于位图像素点不足，图片会变得模糊。</a:t>
+            </a:r>
+            <a:endParaRPr lang="zh-CN" altLang="en-US"/>
+          </a:p>
+          <a:p>
+            <a:endParaRPr lang="zh-CN" altLang="en-US"/>
+          </a:p>
+          <a:p>
+            <a:r>
+              <a:rPr lang="zh-CN" altLang="en-US"/>
+              <a:t>所以，对于图片高清问题，比较好的方案是两倍图片(@2x)。</a:t>
+            </a:r>
+            <a:endParaRPr lang="zh-CN" altLang="en-US"/>
+          </a:p>
+          <a:p>
+            <a:r>
+              <a:rPr lang="zh-CN" altLang="en-US"/>
+              <a:t>如：200x300(css pixel)img标签，就需要提供 400x600 的图片。</a:t>
+            </a:r>
+            <a:endParaRPr lang="zh-CN" altLang="en-US"/>
+          </a:p>
+          <a:p>
+            <a:r>
+              <a:rPr lang="zh-CN" altLang="en-US"/>
+              <a:t>如此一来，位图像素点个数就是原来的 4 倍，在 retina 屏幕下，位图像素个数就可以跟物理像素个数</a:t>
+            </a:r>
+            <a:endParaRPr lang="zh-CN" altLang="en-US"/>
+          </a:p>
+          <a:p>
+            <a:r>
+              <a:rPr lang="zh-CN" altLang="en-US"/>
+              <a:t>形成 1:1 的比例，图片自然就清晰了（这也解释了为啥视觉稿的画布需要 x2）</a:t>
+            </a:r>
+            <a:endParaRPr lang="zh-CN" altLang="en-US"/>
+          </a:p>
+          <a:p>
+            <a:endParaRPr lang="zh-CN" altLang="en-US"/>
+          </a:p>
+        </p:txBody>
+      </p:sp>
+    </p:spTree>
+  </p:cSld>
+  <p:clrMapOvr>
+    <a:masterClrMapping/>
+  </p:clrMapOvr>
+</p:sld>
+</file>
+
+<file path=ppt/slides/slide13.xml><?xml version="1.0" encoding="utf-8"?>
+<p:sld xmlns:a="http://schemas.openxmlformats.org/drawingml/2006/main" xmlns:r="http://schemas.openxmlformats.org/officeDocument/2006/relationships" xmlns:p="http://schemas.openxmlformats.org/presentationml/2006/main">
+  <p:cSld>
+    <p:spTree>
+      <p:nvGrpSpPr>
+        <p:cNvPr id="1" name=""/>
+        <p:cNvGrpSpPr/>
+        <p:nvPr/>
+      </p:nvGrpSpPr>
+      <p:grpSpPr/>
+      <p:sp>
+        <p:nvSpPr>
+          <p:cNvPr id="5" name="文本框 4"/>
+          <p:cNvSpPr txBox="1"/>
+          <p:nvPr/>
+        </p:nvSpPr>
+        <p:spPr>
+          <a:xfrm>
+            <a:off x="3048000" y="-2987675"/>
+            <a:ext cx="6096000" cy="12833350"/>
+          </a:xfrm>
+          <a:prstGeom prst="rect">
+            <a:avLst/>
+          </a:prstGeom>
+          <a:noFill/>
+        </p:spPr>
+        <p:txBody>
+          <a:bodyPr wrap="square" rtlCol="0" anchor="t">
+            <a:spAutoFit/>
+          </a:bodyPr>
+          <a:p>
+            <a:r>
+              <a:rPr lang="zh-CN" altLang="en-US"/>
+              <a:t>&lt;!DOCTYPE html&gt;</a:t>
+            </a:r>
+            <a:endParaRPr lang="zh-CN" altLang="en-US"/>
+          </a:p>
+          <a:p>
+            <a:r>
+              <a:rPr lang="zh-CN" altLang="en-US"/>
+              <a:t>&lt;html&gt;</a:t>
+            </a:r>
+            <a:endParaRPr lang="zh-CN" altLang="en-US"/>
+          </a:p>
+          <a:p>
+            <a:r>
+              <a:rPr lang="zh-CN" altLang="en-US"/>
+              <a:t>&lt;head&gt;</a:t>
+            </a:r>
+            <a:endParaRPr lang="zh-CN" altLang="en-US"/>
+          </a:p>
+          <a:p>
+            <a:r>
+              <a:rPr lang="zh-CN" altLang="en-US"/>
+              <a:t>    &lt;title&gt;Print PDF Example&lt;/title&gt;</a:t>
+            </a:r>
+            <a:endParaRPr lang="zh-CN" altLang="en-US"/>
+          </a:p>
+          <a:p>
+            <a:r>
+              <a:rPr lang="zh-CN" altLang="en-US"/>
+              <a:t>    &lt;script src="https://cdnjs.cloudflare.com/ajax/libs/html2canvas/1.3.2/html2canvas.min.js"&gt;&lt;/script&gt;</a:t>
+            </a:r>
+            <a:endParaRPr lang="zh-CN" altLang="en-US"/>
+          </a:p>
+          <a:p>
+            <a:r>
+              <a:rPr lang="zh-CN" altLang="en-US"/>
+              <a:t>    &lt;script src="https://cdnjs.cloudflare.com/ajax/libs/jspdf/2.4.0/jspdf.umd.min.js"&gt;&lt;/script&gt;</a:t>
+            </a:r>
+            <a:endParaRPr lang="zh-CN" altLang="en-US"/>
+          </a:p>
+          <a:p>
+            <a:r>
+              <a:rPr lang="zh-CN" altLang="en-US"/>
+              <a:t>&lt;/head&gt;</a:t>
+            </a:r>
+            <a:endParaRPr lang="zh-CN" altLang="en-US"/>
+          </a:p>
+          <a:p>
+            <a:r>
+              <a:rPr lang="zh-CN" altLang="en-US"/>
+              <a:t>&lt;body&gt;</a:t>
+            </a:r>
+            <a:endParaRPr lang="zh-CN" altLang="en-US"/>
+          </a:p>
+          <a:p>
+            <a:r>
+              <a:rPr lang="zh-CN" altLang="en-US"/>
+              <a:t>    &lt;div id="content"&gt;</a:t>
+            </a:r>
+            <a:endParaRPr lang="zh-CN" altLang="en-US"/>
+          </a:p>
+          <a:p>
+            <a:r>
+              <a:rPr lang="zh-CN" altLang="en-US"/>
+              <a:t>        &lt;!-- 这里是你想要打印的内容 --&gt;</a:t>
+            </a:r>
+            <a:endParaRPr lang="zh-CN" altLang="en-US"/>
+          </a:p>
+          <a:p>
+            <a:r>
+              <a:rPr lang="zh-CN" altLang="en-US"/>
+              <a:t>        &lt;h1&gt;Hello, World!&lt;/h1&gt;</a:t>
+            </a:r>
+            <a:endParaRPr lang="zh-CN" altLang="en-US"/>
+          </a:p>
+          <a:p>
+            <a:r>
+              <a:rPr lang="zh-CN" altLang="en-US"/>
+              <a:t>    &lt;/div&gt;</a:t>
+            </a:r>
+            <a:endParaRPr lang="zh-CN" altLang="en-US"/>
+          </a:p>
+          <a:p>
+            <a:r>
+              <a:rPr lang="zh-CN" altLang="en-US"/>
+              <a:t>    &lt;button onclick="printPDF()"&gt;Print as PDF&lt;/button&gt;</a:t>
+            </a:r>
+            <a:endParaRPr lang="zh-CN" altLang="en-US"/>
+          </a:p>
+          <a:p>
+            <a:r>
+              <a:rPr lang="zh-CN" altLang="en-US"/>
+              <a:t> </a:t>
+            </a:r>
+            <a:endParaRPr lang="zh-CN" altLang="en-US"/>
+          </a:p>
+          <a:p>
+            <a:r>
+              <a:rPr lang="zh-CN" altLang="en-US"/>
+              <a:t>    &lt;script&gt;</a:t>
+            </a:r>
+            <a:endParaRPr lang="zh-CN" altLang="en-US"/>
+          </a:p>
+          <a:p>
+            <a:r>
+              <a:rPr lang="zh-CN" altLang="en-US"/>
+              <a:t>        function printPDF() {</a:t>
+            </a:r>
+            <a:endParaRPr lang="zh-CN" altLang="en-US"/>
+          </a:p>
+          <a:p>
+            <a:r>
+              <a:rPr lang="zh-CN" altLang="en-US"/>
+              <a:t>            // 1. 使用html2canvas将HTML元素转换为画布</a:t>
+            </a:r>
+            <a:endParaRPr lang="zh-CN" altLang="en-US"/>
+          </a:p>
+          <a:p>
+            <a:r>
+              <a:rPr lang="zh-CN" altLang="en-US"/>
+              <a:t>            html2canvas(document.querySelector("#content")).then(canvas =&gt; {</a:t>
+            </a:r>
+            <a:endParaRPr lang="zh-CN" altLang="en-US"/>
+          </a:p>
+          <a:p>
+            <a:r>
+              <a:rPr lang="zh-CN" altLang="en-US"/>
+              <a:t>                // 2. 创建一个新的jsPDF实例</a:t>
+            </a:r>
+            <a:endParaRPr lang="zh-CN" altLang="en-US"/>
+          </a:p>
+          <a:p>
+            <a:r>
+              <a:rPr lang="zh-CN" altLang="en-US"/>
+              <a:t>                const pdf = new jspdf.jsPDF();</a:t>
+            </a:r>
+            <a:endParaRPr lang="zh-CN" altLang="en-US"/>
+          </a:p>
+          <a:p>
+            <a:r>
+              <a:rPr lang="zh-CN" altLang="en-US"/>
+              <a:t> </a:t>
+            </a:r>
+            <a:endParaRPr lang="zh-CN" altLang="en-US"/>
+          </a:p>
+          <a:p>
+            <a:r>
+              <a:rPr lang="zh-CN" altLang="en-US"/>
+              <a:t>                // 3. 将画布渲染到PDF中</a:t>
+            </a:r>
+            <a:endParaRPr lang="zh-CN" altLang="en-US"/>
+          </a:p>
+          <a:p>
+            <a:r>
+              <a:rPr lang="zh-CN" altLang="en-US"/>
+              <a:t>                const imgData = canvas.toDataURL('image/png');</a:t>
+            </a:r>
+            <a:endParaRPr lang="zh-CN" altLang="en-US"/>
+          </a:p>
+          <a:p>
+            <a:r>
+              <a:rPr lang="zh-CN" altLang="en-US"/>
+              <a:t>                const imgProps= pdf.getImageProperties(imgData);</a:t>
+            </a:r>
+            <a:endParaRPr lang="zh-CN" altLang="en-US"/>
+          </a:p>
+          <a:p>
+            <a:r>
+              <a:rPr lang="zh-CN" altLang="en-US"/>
+              <a:t>                const pdfWidth = pdf.internal.pageSize.getWidth();</a:t>
+            </a:r>
+            <a:endParaRPr lang="zh-CN" altLang="en-US"/>
+          </a:p>
+          <a:p>
+            <a:r>
+              <a:rPr lang="zh-CN" altLang="en-US"/>
+              <a:t>                const pdfHeight = (imgProps.height * pdfWidth) / imgProps.width;</a:t>
+            </a:r>
+            <a:endParaRPr lang="zh-CN" altLang="en-US"/>
+          </a:p>
+          <a:p>
+            <a:r>
+              <a:rPr lang="zh-CN" altLang="en-US"/>
+              <a:t>                pdf.addImage(imgData, 'PNG', 0, 0, pdfWidth, pdfHeight);</a:t>
+            </a:r>
+            <a:endParaRPr lang="zh-CN" altLang="en-US"/>
+          </a:p>
+          <a:p>
+            <a:r>
+              <a:rPr lang="zh-CN" altLang="en-US"/>
+              <a:t> </a:t>
+            </a:r>
+            <a:endParaRPr lang="zh-CN" altLang="en-US"/>
+          </a:p>
+          <a:p>
+            <a:r>
+              <a:rPr lang="zh-CN" altLang="en-US"/>
+              <a:t>                // 4. 保存生成的PDF</a:t>
+            </a:r>
+            <a:endParaRPr lang="zh-CN" altLang="en-US"/>
+          </a:p>
+          <a:p>
+            <a:r>
+              <a:rPr lang="zh-CN" altLang="en-US"/>
+              <a:t>                pdf.save('printed.pdf');</a:t>
+            </a:r>
+            <a:endParaRPr lang="zh-CN" altLang="en-US"/>
+          </a:p>
+          <a:p>
+            <a:r>
+              <a:rPr lang="zh-CN" altLang="en-US"/>
+              <a:t>            });</a:t>
+            </a:r>
+            <a:endParaRPr lang="zh-CN" altLang="en-US"/>
+          </a:p>
+          <a:p>
+            <a:r>
+              <a:rPr lang="zh-CN" altLang="en-US"/>
+              <a:t>        }</a:t>
+            </a:r>
+            <a:endParaRPr lang="zh-CN" altLang="en-US"/>
+          </a:p>
+          <a:p>
+            <a:r>
+              <a:rPr lang="zh-CN" altLang="en-US"/>
+              <a:t>    &lt;/script&gt;</a:t>
+            </a:r>
+            <a:endParaRPr lang="zh-CN" altLang="en-US"/>
+          </a:p>
+          <a:p>
+            <a:r>
+              <a:rPr lang="zh-CN" altLang="en-US"/>
+              <a:t>&lt;/body&gt;</a:t>
+            </a:r>
+            <a:endParaRPr lang="zh-CN" altLang="en-US"/>
+          </a:p>
+          <a:p>
+            <a:r>
+              <a:rPr lang="zh-CN" altLang="en-US"/>
+              <a:t>&lt;/html&gt;</a:t>
+            </a:r>
+            <a:endParaRPr lang="zh-CN" altLang="en-US"/>
+          </a:p>
+        </p:txBody>
+      </p:sp>
+    </p:spTree>
+  </p:cSld>
+  <p:clrMapOvr>
+    <a:masterClrMapping/>
+  </p:clrMapOvr>
+</p:sld>
+</file>
+
+<file path=ppt/slides/slide14.xml><?xml version="1.0" encoding="utf-8"?>
+<p:sld xmlns:a="http://schemas.openxmlformats.org/drawingml/2006/main" xmlns:r="http://schemas.openxmlformats.org/officeDocument/2006/relationships" xmlns:p="http://schemas.openxmlformats.org/presentationml/2006/main">
+  <p:cSld>
+    <p:spTree>
+      <p:nvGrpSpPr>
+        <p:cNvPr id="1" name=""/>
+        <p:cNvGrpSpPr/>
+        <p:nvPr/>
+      </p:nvGrpSpPr>
+      <p:grpSpPr/>
+      <p:sp>
+        <p:nvSpPr>
+          <p:cNvPr id="4" name="文本框 3"/>
+          <p:cNvSpPr txBox="1"/>
+          <p:nvPr/>
+        </p:nvSpPr>
+        <p:spPr>
+          <a:xfrm>
+            <a:off x="3048000" y="-5895975"/>
+            <a:ext cx="7976235" cy="13449300"/>
+          </a:xfrm>
+          <a:prstGeom prst="rect">
+            <a:avLst/>
+          </a:prstGeom>
+          <a:noFill/>
+        </p:spPr>
+        <p:txBody>
+          <a:bodyPr wrap="square" rtlCol="0" anchor="t">
+            <a:spAutoFit/>
+          </a:bodyPr>
+          <a:p>
+            <a:r>
+              <a:rPr lang="zh-CN" altLang="en-US" sz="1400"/>
+              <a:t>&lt;!DOCTYPE html&gt;</a:t>
+            </a:r>
+            <a:endParaRPr lang="zh-CN" altLang="en-US" sz="1400"/>
+          </a:p>
+          <a:p>
+            <a:r>
+              <a:rPr lang="zh-CN" altLang="en-US" sz="1400"/>
+              <a:t>&lt;html&gt;</a:t>
+            </a:r>
+            <a:endParaRPr lang="zh-CN" altLang="en-US" sz="1400"/>
+          </a:p>
+          <a:p>
+            <a:r>
+              <a:rPr lang="zh-CN" altLang="en-US" sz="1400"/>
+              <a:t>&lt;head&gt;</a:t>
+            </a:r>
+            <a:endParaRPr lang="zh-CN" altLang="en-US" sz="1400"/>
+          </a:p>
+          <a:p>
+            <a:r>
+              <a:rPr lang="zh-CN" altLang="en-US" sz="1400"/>
+              <a:t>    &lt;title&gt;PDF Print Example&lt;/title&gt;</a:t>
+            </a:r>
+            <a:endParaRPr lang="zh-CN" altLang="en-US" sz="1400"/>
+          </a:p>
+          <a:p>
+            <a:r>
+              <a:rPr lang="zh-CN" altLang="en-US" sz="1400"/>
+              <a:t>    &lt;script src="path/to/pdf.js"&gt;&lt;/script&gt;</a:t>
+            </a:r>
+            <a:endParaRPr lang="zh-CN" altLang="en-US" sz="1400"/>
+          </a:p>
+          <a:p>
+            <a:r>
+              <a:rPr lang="zh-CN" altLang="en-US" sz="1400"/>
+              <a:t>    &lt;script src="path/to/html2canvas.min.js"&gt;&lt;/script&gt;</a:t>
+            </a:r>
+            <a:endParaRPr lang="zh-CN" altLang="en-US" sz="1400"/>
+          </a:p>
+          <a:p>
+            <a:r>
+              <a:rPr lang="zh-CN" altLang="en-US" sz="1400"/>
+              <a:t>&lt;/head&gt;</a:t>
+            </a:r>
+            <a:endParaRPr lang="zh-CN" altLang="en-US" sz="1400"/>
+          </a:p>
+          <a:p>
+            <a:r>
+              <a:rPr lang="zh-CN" altLang="en-US" sz="1400"/>
+              <a:t>&lt;body&gt;</a:t>
+            </a:r>
+            <a:endParaRPr lang="zh-CN" altLang="en-US" sz="1400"/>
+          </a:p>
+          <a:p>
+            <a:r>
+              <a:rPr lang="zh-CN" altLang="en-US" sz="1400"/>
+              <a:t>    &lt;div id="pdf-viewer"&gt;&lt;/div&gt;</a:t>
+            </a:r>
+            <a:endParaRPr lang="zh-CN" altLang="en-US" sz="1400"/>
+          </a:p>
+          <a:p>
+            <a:r>
+              <a:rPr lang="zh-CN" altLang="en-US" sz="1400"/>
+              <a:t>    &lt;button onclick="printPDF()"&gt;Print PDF&lt;/button&gt;</a:t>
+            </a:r>
+            <a:endParaRPr lang="zh-CN" altLang="en-US" sz="1400"/>
+          </a:p>
+          <a:p>
+            <a:r>
+              <a:rPr lang="zh-CN" altLang="en-US" sz="1400"/>
+              <a:t> </a:t>
+            </a:r>
+            <a:endParaRPr lang="zh-CN" altLang="en-US" sz="1400"/>
+          </a:p>
+          <a:p>
+            <a:r>
+              <a:rPr lang="zh-CN" altLang="en-US" sz="1400"/>
+              <a:t>    &lt;script&gt;</a:t>
+            </a:r>
+            <a:endParaRPr lang="zh-CN" altLang="en-US" sz="1400"/>
+          </a:p>
+          <a:p>
+            <a:r>
+              <a:rPr lang="zh-CN" altLang="en-US" sz="1400"/>
+              <a:t>        // 加载PDF文件</a:t>
+            </a:r>
+            <a:endParaRPr lang="zh-CN" altLang="en-US" sz="1400"/>
+          </a:p>
+          <a:p>
+            <a:r>
+              <a:rPr lang="zh-CN" altLang="en-US" sz="1400"/>
+              <a:t>        let pdfUrl = 'path/to/your/pdf/file.pdf';</a:t>
+            </a:r>
+            <a:endParaRPr lang="zh-CN" altLang="en-US" sz="1400"/>
+          </a:p>
+          <a:p>
+            <a:r>
+              <a:rPr lang="zh-CN" altLang="en-US" sz="1400"/>
+              <a:t>        let pdfjsLib = window['pdfjs-dist/build/pdf'];</a:t>
+            </a:r>
+            <a:endParaRPr lang="zh-CN" altLang="en-US" sz="1400"/>
+          </a:p>
+          <a:p>
+            <a:r>
+              <a:rPr lang="zh-CN" altLang="en-US" sz="1400"/>
+              <a:t>        pdfjsLib.GlobalWorkerOptions.workerSrc = 'path/to/pdf.js/build/pdf.worker.js';</a:t>
+            </a:r>
+            <a:endParaRPr lang="zh-CN" altLang="en-US" sz="1400"/>
+          </a:p>
+          <a:p>
+            <a:r>
+              <a:rPr lang="zh-CN" altLang="en-US" sz="1400"/>
+              <a:t> </a:t>
+            </a:r>
+            <a:endParaRPr lang="zh-CN" altLang="en-US" sz="1400"/>
+          </a:p>
+          <a:p>
+            <a:r>
+              <a:rPr lang="zh-CN" altLang="en-US" sz="1400"/>
+              <a:t>        let loadingTask = pdfjsLib.getDocument(pdfUrl);</a:t>
+            </a:r>
+            <a:endParaRPr lang="zh-CN" altLang="en-US" sz="1400"/>
+          </a:p>
+          <a:p>
+            <a:r>
+              <a:rPr lang="zh-CN" altLang="en-US" sz="1400"/>
+              <a:t> </a:t>
+            </a:r>
+            <a:endParaRPr lang="zh-CN" altLang="en-US" sz="1400"/>
+          </a:p>
+          <a:p>
+            <a:r>
+              <a:rPr lang="zh-CN" altLang="en-US" sz="1400"/>
+              <a:t>        loadingTask.promise.then(function(pdf) {</a:t>
+            </a:r>
+            <a:endParaRPr lang="zh-CN" altLang="en-US" sz="1400"/>
+          </a:p>
+          <a:p>
+            <a:r>
+              <a:rPr lang="zh-CN" altLang="en-US" sz="1400"/>
+              <a:t>            console.log('PDF loaded');</a:t>
+            </a:r>
+            <a:endParaRPr lang="zh-CN" altLang="en-US" sz="1400"/>
+          </a:p>
+          <a:p>
+            <a:r>
+              <a:rPr lang="zh-CN" altLang="en-US" sz="1400"/>
+              <a:t> </a:t>
+            </a:r>
+            <a:endParaRPr lang="zh-CN" altLang="en-US" sz="1400"/>
+          </a:p>
+          <a:p>
+            <a:r>
+              <a:rPr lang="zh-CN" altLang="en-US" sz="1400"/>
+              <a:t>            // 渲染PDF</a:t>
+            </a:r>
+            <a:endParaRPr lang="zh-CN" altLang="en-US" sz="1400"/>
+          </a:p>
+          <a:p>
+            <a:r>
+              <a:rPr lang="zh-CN" altLang="en-US" sz="1400"/>
+              <a:t>            let pageNumber = 1;</a:t>
+            </a:r>
+            <a:endParaRPr lang="zh-CN" altLang="en-US" sz="1400"/>
+          </a:p>
+          <a:p>
+            <a:r>
+              <a:rPr lang="zh-CN" altLang="en-US" sz="1400"/>
+              <a:t>            pdf.getPage(pageNumber).then(function(page) {</a:t>
+            </a:r>
+            <a:endParaRPr lang="zh-CN" altLang="en-US" sz="1400"/>
+          </a:p>
+          <a:p>
+            <a:r>
+              <a:rPr lang="zh-CN" altLang="en-US" sz="1400"/>
+              <a:t>                console.log('Page loaded');</a:t>
+            </a:r>
+            <a:endParaRPr lang="zh-CN" altLang="en-US" sz="1400"/>
+          </a:p>
+          <a:p>
+            <a:r>
+              <a:rPr lang="zh-CN" altLang="en-US" sz="1400"/>
+              <a:t> </a:t>
+            </a:r>
+            <a:endParaRPr lang="zh-CN" altLang="en-US" sz="1400"/>
+          </a:p>
+          <a:p>
+            <a:r>
+              <a:rPr lang="zh-CN" altLang="en-US" sz="1400"/>
+              <a:t>                let canvas = document.createElement('canvas');</a:t>
+            </a:r>
+            <a:endParaRPr lang="zh-CN" altLang="en-US" sz="1400"/>
+          </a:p>
+          <a:p>
+            <a:r>
+              <a:rPr lang="zh-CN" altLang="en-US" sz="1400"/>
+              <a:t>                let viewport = page.getViewport({ scale: 1.5 });</a:t>
+            </a:r>
+            <a:endParaRPr lang="zh-CN" altLang="en-US" sz="1400"/>
+          </a:p>
+          <a:p>
+            <a:r>
+              <a:rPr lang="zh-CN" altLang="en-US" sz="1400"/>
+              <a:t>                canvas.width = viewport.width;</a:t>
+            </a:r>
+            <a:endParaRPr lang="zh-CN" altLang="en-US" sz="1400"/>
+          </a:p>
+          <a:p>
+            <a:r>
+              <a:rPr lang="zh-CN" altLang="en-US" sz="1400"/>
+              <a:t>                canvas.height = viewport.height;</a:t>
+            </a:r>
+            <a:endParaRPr lang="zh-CN" altLang="en-US" sz="1400"/>
+          </a:p>
+          <a:p>
+            <a:r>
+              <a:rPr lang="zh-CN" altLang="en-US" sz="1400"/>
+              <a:t>                canvas.style.width = '100%';</a:t>
+            </a:r>
+            <a:endParaRPr lang="zh-CN" altLang="en-US" sz="1400"/>
+          </a:p>
+          <a:p>
+            <a:r>
+              <a:rPr lang="zh-CN" altLang="en-US" sz="1400"/>
+              <a:t> </a:t>
+            </a:r>
+            <a:endParaRPr lang="zh-CN" altLang="en-US" sz="1400"/>
+          </a:p>
+          <a:p>
+            <a:r>
+              <a:rPr lang="zh-CN" altLang="en-US" sz="1400"/>
+              <a:t>                let context = canvas.getContext('2d');</a:t>
+            </a:r>
+            <a:endParaRPr lang="zh-CN" altLang="en-US" sz="1400"/>
+          </a:p>
+          <a:p>
+            <a:r>
+              <a:rPr lang="zh-CN" altLang="en-US" sz="1400"/>
+              <a:t>                let renderContext = {</a:t>
+            </a:r>
+            <a:endParaRPr lang="zh-CN" altLang="en-US" sz="1400"/>
+          </a:p>
+          <a:p>
+            <a:r>
+              <a:rPr lang="zh-CN" altLang="en-US" sz="1400"/>
+              <a:t>                    canvasContext: context,</a:t>
+            </a:r>
+            <a:endParaRPr lang="zh-CN" altLang="en-US" sz="1400"/>
+          </a:p>
+          <a:p>
+            <a:r>
+              <a:rPr lang="zh-CN" altLang="en-US" sz="1400"/>
+              <a:t>                    viewport: viewport</a:t>
+            </a:r>
+            <a:endParaRPr lang="zh-CN" altLang="en-US" sz="1400"/>
+          </a:p>
+          <a:p>
+            <a:r>
+              <a:rPr lang="zh-CN" altLang="en-US" sz="1400"/>
+              <a:t>                };</a:t>
+            </a:r>
+            <a:endParaRPr lang="zh-CN" altLang="en-US" sz="1400"/>
+          </a:p>
+          <a:p>
+            <a:r>
+              <a:rPr lang="zh-CN" altLang="en-US" sz="1400"/>
+              <a:t> </a:t>
+            </a:r>
+            <a:endParaRPr lang="zh-CN" altLang="en-US" sz="1400"/>
+          </a:p>
+          <a:p>
+            <a:r>
+              <a:rPr lang="zh-CN" altLang="en-US" sz="1400"/>
+              <a:t>                page.render(renderContext).promise.then(function() {</a:t>
+            </a:r>
+            <a:endParaRPr lang="zh-CN" altLang="en-US" sz="1400"/>
+          </a:p>
+          <a:p>
+            <a:r>
+              <a:rPr lang="zh-CN" altLang="en-US" sz="1400"/>
+              <a:t>                    document.getElementById('pdf-viewer').appendChild(canvas);</a:t>
+            </a:r>
+            <a:endParaRPr lang="zh-CN" altLang="en-US" sz="1400"/>
+          </a:p>
+          <a:p>
+            <a:r>
+              <a:rPr lang="zh-CN" altLang="en-US" sz="1400"/>
+              <a:t>                });</a:t>
+            </a:r>
+            <a:endParaRPr lang="zh-CN" altLang="en-US" sz="1400"/>
+          </a:p>
+          <a:p>
+            <a:r>
+              <a:rPr lang="zh-CN" altLang="en-US" sz="1400"/>
+              <a:t>            });</a:t>
+            </a:r>
+            <a:endParaRPr lang="zh-CN" altLang="en-US" sz="1400"/>
+          </a:p>
+          <a:p>
+            <a:r>
+              <a:rPr lang="zh-CN" altLang="en-US" sz="1400"/>
+              <a:t>        }).catch(function(error) {</a:t>
+            </a:r>
+            <a:endParaRPr lang="zh-CN" altLang="en-US" sz="1400"/>
+          </a:p>
+          <a:p>
+            <a:r>
+              <a:rPr lang="zh-CN" altLang="en-US" sz="1400"/>
+              <a:t>            // 处理错误</a:t>
+            </a:r>
+            <a:endParaRPr lang="zh-CN" altLang="en-US" sz="1400"/>
+          </a:p>
+          <a:p>
+            <a:r>
+              <a:rPr lang="zh-CN" altLang="en-US" sz="1400"/>
+              <a:t>            console.error('Error loading PDF: ', error);</a:t>
+            </a:r>
+            <a:endParaRPr lang="zh-CN" altLang="en-US" sz="1400"/>
+          </a:p>
+          <a:p>
+            <a:r>
+              <a:rPr lang="zh-CN" altLang="en-US" sz="1400"/>
+              <a:t>        });</a:t>
+            </a:r>
+            <a:endParaRPr lang="zh-CN" altLang="en-US" sz="1400"/>
+          </a:p>
+          <a:p>
+            <a:r>
+              <a:rPr lang="zh-CN" altLang="en-US" sz="1400"/>
+              <a:t> </a:t>
+            </a:r>
+            <a:endParaRPr lang="zh-CN" altLang="en-US" sz="1400"/>
+          </a:p>
+          <a:p>
+            <a:r>
+              <a:rPr lang="zh-CN" altLang="en-US" sz="1400"/>
+              <a:t>        function printPDF() {</a:t>
+            </a:r>
+            <a:endParaRPr lang="zh-CN" altLang="en-US" sz="1400"/>
+          </a:p>
+          <a:p>
+            <a:r>
+              <a:rPr lang="zh-CN" altLang="en-US" sz="1400"/>
+              <a:t>            html2canvas(document.getElementById('pdf-viewer')).then(canvas =&gt; {</a:t>
+            </a:r>
+            <a:endParaRPr lang="zh-CN" altLang="en-US" sz="1400"/>
+          </a:p>
+          <a:p>
+            <a:r>
+              <a:rPr lang="zh-CN" altLang="en-US" sz="1400"/>
+              <a:t>                // 创建一个新的PDF文档并添加图片</a:t>
+            </a:r>
+            <a:endParaRPr lang="zh-CN" altLang="en-US" sz="1400"/>
+          </a:p>
+          <a:p>
+            <a:r>
+              <a:rPr lang="zh-CN" altLang="en-US" sz="1400"/>
+              <a:t>                let pdf = new jspdf.jsPDF();</a:t>
+            </a:r>
+            <a:endParaRPr lang="zh-CN" altLang="en-US" sz="1400"/>
+          </a:p>
+          <a:p>
+            <a:r>
+              <a:rPr lang="zh-CN" altLang="en-US" sz="1400"/>
+              <a:t>                pdf.addImage(canvas, 'JPEG', 0, 0, canvas.width, canvas.height);</a:t>
+            </a:r>
+            <a:endParaRPr lang="zh-CN" altLang="en-US" sz="1400"/>
+          </a:p>
+          <a:p>
+            <a:r>
+              <a:rPr lang="zh-CN" altLang="en-US" sz="1400"/>
+              <a:t> </a:t>
+            </a:r>
+            <a:endParaRPr lang="zh-CN" altLang="en-US" sz="1400"/>
+          </a:p>
+          <a:p>
+            <a:r>
+              <a:rPr lang="zh-CN" altLang="en-US" sz="1400"/>
+              <a:t>                // 直接打印</a:t>
+            </a:r>
+            <a:endParaRPr lang="zh-CN" altLang="en-US" sz="1400"/>
+          </a:p>
+          <a:p>
+            <a:r>
+              <a:rPr lang="zh-CN" altLang="en-US" sz="1400"/>
+              <a:t>                pdf.autoPrint();</a:t>
+            </a:r>
+            <a:endParaRPr lang="zh-CN" altLang="en-US" sz="1400"/>
+          </a:p>
+          <a:p>
+            <a:r>
+              <a:rPr lang="zh-CN" altLang="en-US" sz="1400"/>
+              <a:t>                pdf.save('printed.pdf');</a:t>
+            </a:r>
+            <a:endParaRPr lang="zh-CN" altLang="en-US" sz="1400"/>
+          </a:p>
+          <a:p>
+            <a:r>
+              <a:rPr lang="zh-CN" altLang="en-US" sz="1400"/>
+              <a:t>            });</a:t>
+            </a:r>
+            <a:endParaRPr lang="zh-CN" altLang="en-US" sz="1400"/>
+          </a:p>
+          <a:p>
+            <a:r>
+              <a:rPr lang="zh-CN" altLang="en-US" sz="1400"/>
+              <a:t>        }</a:t>
+            </a:r>
+            <a:endParaRPr lang="zh-CN" altLang="en-US" sz="1400"/>
+          </a:p>
+          <a:p>
+            <a:r>
+              <a:rPr lang="zh-CN" altLang="en-US" sz="1400"/>
+              <a:t>    &lt;/script&gt;</a:t>
+            </a:r>
+            <a:endParaRPr lang="zh-CN" altLang="en-US" sz="1400"/>
+          </a:p>
+          <a:p>
+            <a:r>
+              <a:rPr lang="zh-CN" altLang="en-US" sz="1400"/>
+              <a:t>&lt;/body&gt;</a:t>
+            </a:r>
+            <a:endParaRPr lang="zh-CN" altLang="en-US" sz="1400"/>
+          </a:p>
+          <a:p>
+            <a:r>
+              <a:rPr lang="zh-CN" altLang="en-US" sz="1400"/>
+              <a:t>&lt;/html&gt;</a:t>
+            </a:r>
+            <a:endParaRPr lang="zh-CN" altLang="en-US" sz="1400"/>
+          </a:p>
+        </p:txBody>
+      </p:sp>
     </p:spTree>
   </p:cSld>
   <p:clrMapOvr>
@@ -4692,17 +5633,46 @@
         <p:cNvGrpSpPr/>
         <p:nvPr/>
       </p:nvGrpSpPr>
-      <p:grpSpPr>
-        <a:xfrm>
-          <a:off x="0" y="0"/>
-          <a:ext cx="0" cy="0"/>
-          <a:chOff x="0" y="0"/>
-          <a:chExt cx="0" cy="0"/>
-        </a:xfrm>
-      </p:grpSpPr>
+      <p:grpSpPr/>
+      <p:sp>
+        <p:nvSpPr>
+          <p:cNvPr id="2" name="标题 1"/>
+          <p:cNvSpPr>
+            <a:spLocks noGrp="1"/>
+          </p:cNvSpPr>
+          <p:nvPr>
+            <p:ph type="ctrTitle"/>
+          </p:nvPr>
+        </p:nvSpPr>
+        <p:spPr/>
+        <p:txBody>
+          <a:bodyPr/>
+          <a:p>
+            <a:endParaRPr lang="zh-CN" altLang="en-US"/>
+          </a:p>
+        </p:txBody>
+      </p:sp>
+      <p:sp>
+        <p:nvSpPr>
+          <p:cNvPr id="3" name="副标题 2"/>
+          <p:cNvSpPr>
+            <a:spLocks noGrp="1"/>
+          </p:cNvSpPr>
+          <p:nvPr>
+            <p:ph type="subTitle" idx="1"/>
+          </p:nvPr>
+        </p:nvSpPr>
+        <p:spPr/>
+        <p:txBody>
+          <a:bodyPr/>
+          <a:p>
+            <a:endParaRPr lang="zh-CN" altLang="en-US"/>
+          </a:p>
+        </p:txBody>
+      </p:sp>
       <p:pic>
         <p:nvPicPr>
-          <p:cNvPr id="2" name="图片 1"/>
+          <p:cNvPr id="4" name="图片 3"/>
           <p:cNvPicPr>
             <a:picLocks noChangeAspect="1"/>
           </p:cNvPicPr>
@@ -4720,36 +5690,8 @@
         </p:blipFill>
         <p:spPr>
           <a:xfrm>
-            <a:off x="211455" y="955675"/>
-            <a:ext cx="5130800" cy="4791710"/>
-          </a:xfrm>
-          <a:prstGeom prst="rect">
-            <a:avLst/>
-          </a:prstGeom>
-        </p:spPr>
-      </p:pic>
-      <p:pic>
-        <p:nvPicPr>
-          <p:cNvPr id="3" name="图片 2"/>
-          <p:cNvPicPr>
-            <a:picLocks noChangeAspect="1"/>
-          </p:cNvPicPr>
-          <p:nvPr>
-            <p:custDataLst>
-              <p:tags r:id="rId3"/>
-            </p:custDataLst>
-          </p:nvPr>
-        </p:nvPicPr>
-        <p:blipFill>
-          <a:blip r:embed="rId4"/>
-          <a:stretch>
-            <a:fillRect/>
-          </a:stretch>
-        </p:blipFill>
-        <p:spPr>
-          <a:xfrm>
-            <a:off x="3359785" y="0"/>
-            <a:ext cx="5471795" cy="6858000"/>
+            <a:off x="911225" y="0"/>
+            <a:ext cx="10369550" cy="6858000"/>
           </a:xfrm>
           <a:prstGeom prst="rect">
             <a:avLst/>
@@ -4801,124 +5743,42 @@
         </p:blipFill>
         <p:spPr>
           <a:xfrm>
-            <a:off x="0" y="941070"/>
-            <a:ext cx="9081770" cy="5406390"/>
+            <a:off x="211455" y="955675"/>
+            <a:ext cx="5130800" cy="4791710"/>
           </a:xfrm>
           <a:prstGeom prst="rect">
             <a:avLst/>
           </a:prstGeom>
         </p:spPr>
       </p:pic>
-      <p:sp>
-        <p:nvSpPr>
-          <p:cNvPr id="3" name="文本框 2"/>
-          <p:cNvSpPr txBox="1"/>
-          <p:nvPr/>
-        </p:nvSpPr>
+      <p:pic>
+        <p:nvPicPr>
+          <p:cNvPr id="3" name="图片 2"/>
+          <p:cNvPicPr>
+            <a:picLocks noChangeAspect="1"/>
+          </p:cNvPicPr>
+          <p:nvPr>
+            <p:custDataLst>
+              <p:tags r:id="rId3"/>
+            </p:custDataLst>
+          </p:nvPr>
+        </p:nvPicPr>
+        <p:blipFill>
+          <a:blip r:embed="rId4"/>
+          <a:stretch>
+            <a:fillRect/>
+          </a:stretch>
+        </p:blipFill>
         <p:spPr>
           <a:xfrm>
-            <a:off x="9081770" y="941070"/>
-            <a:ext cx="2973070" cy="3322955"/>
+            <a:off x="3359785" y="0"/>
+            <a:ext cx="5471795" cy="6858000"/>
           </a:xfrm>
           <a:prstGeom prst="rect">
             <a:avLst/>
           </a:prstGeom>
-          <a:noFill/>
         </p:spPr>
-        <p:txBody>
-          <a:bodyPr wrap="square" rtlCol="0">
-            <a:spAutoFit/>
-          </a:bodyPr>
-          <a:p>
-            <a:pPr indent="0" fontAlgn="auto">
-              <a:lnSpc>
-                <a:spcPct val="150000"/>
-              </a:lnSpc>
-            </a:pPr>
-            <a:r>
-              <a:rPr lang="en-US" altLang="zh-CN" sz="1400"/>
-              <a:t>1</a:t>
-            </a:r>
-            <a:r>
-              <a:rPr lang="zh-CN" altLang="en-US" sz="1400"/>
-              <a:t>、</a:t>
-            </a:r>
-            <a:r>
-              <a:rPr lang="en-US" altLang="zh-CN" sz="1400"/>
-              <a:t>复制要截图的DOM，并将其附加样式。</a:t>
-            </a:r>
-            <a:endParaRPr lang="en-US" altLang="zh-CN" sz="1400"/>
-          </a:p>
-          <a:p>
-            <a:pPr indent="0" fontAlgn="auto">
-              <a:lnSpc>
-                <a:spcPct val="150000"/>
-              </a:lnSpc>
-            </a:pPr>
-            <a:r>
-              <a:rPr lang="en-US" altLang="zh-CN" sz="1400"/>
-              <a:t>2</a:t>
-            </a:r>
-            <a:r>
-              <a:rPr lang="zh-CN" altLang="en-US" sz="1400"/>
-              <a:t>、</a:t>
-            </a:r>
-            <a:r>
-              <a:rPr lang="en-US" altLang="zh-CN" sz="1400"/>
-              <a:t>将复制的DOM转换为类似于VirtualDOM的对象。</a:t>
-            </a:r>
-            <a:endParaRPr lang="en-US" altLang="zh-CN" sz="1400"/>
-          </a:p>
-          <a:p>
-            <a:pPr indent="0" fontAlgn="auto">
-              <a:lnSpc>
-                <a:spcPct val="150000"/>
-              </a:lnSpc>
-            </a:pPr>
-            <a:r>
-              <a:rPr lang="en-US" altLang="zh-CN" sz="1400"/>
-              <a:t>3</a:t>
-            </a:r>
-            <a:r>
-              <a:rPr lang="zh-CN" altLang="en-US" sz="1400"/>
-              <a:t>、</a:t>
-            </a:r>
-            <a:r>
-              <a:rPr lang="en-US" altLang="zh-CN" sz="1400"/>
-              <a:t>递归该对象，根据其父子关系和层叠关系计算出一个renderQueue。</a:t>
-            </a:r>
-            <a:endParaRPr lang="en-US" altLang="zh-CN" sz="1400"/>
-          </a:p>
-          <a:p>
-            <a:pPr indent="0" fontAlgn="auto">
-              <a:lnSpc>
-                <a:spcPct val="150000"/>
-              </a:lnSpc>
-            </a:pPr>
-            <a:r>
-              <a:rPr lang="en-US" altLang="zh-CN" sz="1400"/>
-              <a:t>4</a:t>
-            </a:r>
-            <a:r>
-              <a:rPr lang="zh-CN" altLang="en-US" sz="1400"/>
-              <a:t>、</a:t>
-            </a:r>
-            <a:r>
-              <a:rPr lang="en-US" altLang="zh-CN" sz="1400"/>
-              <a:t>每个renderQueue项目都是一个虚拟DOM对象，根据之前获取的样式信息，调用ctx的各种方法。</a:t>
-            </a:r>
-            <a:endParaRPr lang="en-US" altLang="zh-CN" sz="1400"/>
-          </a:p>
-          <a:p>
-            <a:pPr indent="0" fontAlgn="auto">
-              <a:lnSpc>
-                <a:spcPct val="150000"/>
-              </a:lnSpc>
-            </a:pPr>
-            <a:endParaRPr lang="en-US" altLang="zh-CN" sz="1400"/>
-          </a:p>
-        </p:txBody>
-      </p:sp>
+      </p:pic>
     </p:spTree>
   </p:cSld>
   <p:clrMapOvr>
@@ -4936,40 +5796,150 @@
         <p:cNvGrpSpPr/>
         <p:nvPr/>
       </p:nvGrpSpPr>
-      <p:grpSpPr/>
-      <p:sp>
-        <p:nvSpPr>
-          <p:cNvPr id="2" name="标题 1"/>
-          <p:cNvSpPr>
-            <a:spLocks noGrp="1"/>
-          </p:cNvSpPr>
-          <p:nvPr>
-            <p:ph type="ctrTitle"/>
-          </p:nvPr>
-        </p:nvSpPr>
-        <p:spPr/>
-        <p:txBody>
-          <a:bodyPr/>
-          <a:p>
-            <a:endParaRPr lang="zh-CN" altLang="en-US"/>
-          </a:p>
-        </p:txBody>
-      </p:sp>
-      <p:sp>
-        <p:nvSpPr>
-          <p:cNvPr id="3" name="副标题 2"/>
-          <p:cNvSpPr>
-            <a:spLocks noGrp="1"/>
-          </p:cNvSpPr>
-          <p:nvPr>
-            <p:ph type="subTitle" idx="1"/>
-          </p:nvPr>
-        </p:nvSpPr>
-        <p:spPr/>
-        <p:txBody>
-          <a:bodyPr/>
-          <a:p>
-            <a:endParaRPr lang="zh-CN" altLang="en-US"/>
+      <p:grpSpPr>
+        <a:xfrm>
+          <a:off x="0" y="0"/>
+          <a:ext cx="0" cy="0"/>
+          <a:chOff x="0" y="0"/>
+          <a:chExt cx="0" cy="0"/>
+        </a:xfrm>
+      </p:grpSpPr>
+      <p:pic>
+        <p:nvPicPr>
+          <p:cNvPr id="2" name="图片 1"/>
+          <p:cNvPicPr>
+            <a:picLocks noChangeAspect="1"/>
+          </p:cNvPicPr>
+          <p:nvPr>
+            <p:custDataLst>
+              <p:tags r:id="rId1"/>
+            </p:custDataLst>
+          </p:nvPr>
+        </p:nvPicPr>
+        <p:blipFill>
+          <a:blip r:embed="rId2"/>
+          <a:srcRect t="9948"/>
+          <a:stretch>
+            <a:fillRect/>
+          </a:stretch>
+        </p:blipFill>
+        <p:spPr>
+          <a:xfrm>
+            <a:off x="118110" y="1478915"/>
+            <a:ext cx="9081770" cy="4868545"/>
+          </a:xfrm>
+          <a:prstGeom prst="rect">
+            <a:avLst/>
+          </a:prstGeom>
+        </p:spPr>
+      </p:pic>
+      <p:sp>
+        <p:nvSpPr>
+          <p:cNvPr id="3" name="文本框 2"/>
+          <p:cNvSpPr txBox="1"/>
+          <p:nvPr/>
+        </p:nvSpPr>
+        <p:spPr>
+          <a:xfrm>
+            <a:off x="9081770" y="941070"/>
+            <a:ext cx="2973070" cy="3322955"/>
+          </a:xfrm>
+          <a:prstGeom prst="rect">
+            <a:avLst/>
+          </a:prstGeom>
+          <a:noFill/>
+        </p:spPr>
+        <p:txBody>
+          <a:bodyPr wrap="square" rtlCol="0">
+            <a:spAutoFit/>
+          </a:bodyPr>
+          <a:p>
+            <a:pPr indent="0" fontAlgn="auto">
+              <a:lnSpc>
+                <a:spcPct val="150000"/>
+              </a:lnSpc>
+            </a:pPr>
+            <a:r>
+              <a:rPr lang="en-US" altLang="zh-CN" sz="1400"/>
+              <a:t>1</a:t>
+            </a:r>
+            <a:r>
+              <a:rPr lang="zh-CN" altLang="en-US" sz="1400"/>
+              <a:t>、</a:t>
+            </a:r>
+            <a:r>
+              <a:rPr lang="en-US" altLang="zh-CN" sz="1400"/>
+              <a:t>复制要截图的DOM，并将其附加样式。</a:t>
+            </a:r>
+            <a:endParaRPr lang="en-US" altLang="zh-CN" sz="1400"/>
+          </a:p>
+          <a:p>
+            <a:pPr indent="0" fontAlgn="auto">
+              <a:lnSpc>
+                <a:spcPct val="150000"/>
+              </a:lnSpc>
+            </a:pPr>
+            <a:r>
+              <a:rPr lang="en-US" altLang="zh-CN" sz="1400"/>
+              <a:t>2</a:t>
+            </a:r>
+            <a:r>
+              <a:rPr lang="zh-CN" altLang="en-US" sz="1400"/>
+              <a:t>、</a:t>
+            </a:r>
+            <a:r>
+              <a:rPr lang="en-US" altLang="zh-CN" sz="1400"/>
+              <a:t>将复制的DOM转换为类似于VirtualDOM的对象。</a:t>
+            </a:r>
+            <a:endParaRPr lang="en-US" altLang="zh-CN" sz="1400"/>
+          </a:p>
+          <a:p>
+            <a:pPr indent="0" fontAlgn="auto">
+              <a:lnSpc>
+                <a:spcPct val="150000"/>
+              </a:lnSpc>
+            </a:pPr>
+            <a:r>
+              <a:rPr lang="en-US" altLang="zh-CN" sz="1400"/>
+              <a:t>3</a:t>
+            </a:r>
+            <a:r>
+              <a:rPr lang="zh-CN" altLang="en-US" sz="1400"/>
+              <a:t>、</a:t>
+            </a:r>
+            <a:r>
+              <a:rPr lang="en-US" altLang="zh-CN" sz="1400"/>
+              <a:t>递归该对象，根据其父子关系和层叠关系计算出一个renderQueue。</a:t>
+            </a:r>
+            <a:endParaRPr lang="en-US" altLang="zh-CN" sz="1400"/>
+          </a:p>
+          <a:p>
+            <a:pPr indent="0" fontAlgn="auto">
+              <a:lnSpc>
+                <a:spcPct val="150000"/>
+              </a:lnSpc>
+            </a:pPr>
+            <a:r>
+              <a:rPr lang="en-US" altLang="zh-CN" sz="1400"/>
+              <a:t>4</a:t>
+            </a:r>
+            <a:r>
+              <a:rPr lang="zh-CN" altLang="en-US" sz="1400"/>
+              <a:t>、</a:t>
+            </a:r>
+            <a:r>
+              <a:rPr lang="en-US" altLang="zh-CN" sz="1400"/>
+              <a:t>每个renderQueue项目都是一个虚拟DOM对象，根据之前获取的样式信息，调用ctx的各种方法。</a:t>
+            </a:r>
+            <a:endParaRPr lang="en-US" altLang="zh-CN" sz="1400"/>
+          </a:p>
+          <a:p>
+            <a:pPr indent="0" fontAlgn="auto">
+              <a:lnSpc>
+                <a:spcPct val="150000"/>
+              </a:lnSpc>
+            </a:pPr>
+            <a:endParaRPr lang="en-US" altLang="zh-CN" sz="1400"/>
           </a:p>
         </p:txBody>
       </p:sp>
@@ -4990,14 +5960,71 @@
         <p:cNvGrpSpPr/>
         <p:nvPr/>
       </p:nvGrpSpPr>
-      <p:grpSpPr>
-        <a:xfrm>
-          <a:off x="0" y="0"/>
-          <a:ext cx="0" cy="0"/>
-          <a:chOff x="0" y="0"/>
-          <a:chExt cx="0" cy="0"/>
-        </a:xfrm>
-      </p:grpSpPr>
+      <p:grpSpPr/>
+      <p:sp>
+        <p:nvSpPr>
+          <p:cNvPr id="2" name="标题 1"/>
+          <p:cNvSpPr>
+            <a:spLocks noGrp="1"/>
+          </p:cNvSpPr>
+          <p:nvPr>
+            <p:ph type="ctrTitle"/>
+          </p:nvPr>
+        </p:nvSpPr>
+        <p:spPr/>
+        <p:txBody>
+          <a:bodyPr/>
+          <a:p>
+            <a:endParaRPr lang="zh-CN" altLang="en-US"/>
+          </a:p>
+        </p:txBody>
+      </p:sp>
+      <p:sp>
+        <p:nvSpPr>
+          <p:cNvPr id="3" name="副标题 2"/>
+          <p:cNvSpPr>
+            <a:spLocks noGrp="1"/>
+          </p:cNvSpPr>
+          <p:nvPr>
+            <p:ph type="subTitle" idx="1"/>
+          </p:nvPr>
+        </p:nvSpPr>
+        <p:spPr/>
+        <p:txBody>
+          <a:bodyPr/>
+          <a:p>
+            <a:endParaRPr lang="zh-CN" altLang="en-US"/>
+          </a:p>
+        </p:txBody>
+      </p:sp>
+      <p:pic>
+        <p:nvPicPr>
+          <p:cNvPr id="4" name="图片 3"/>
+          <p:cNvPicPr>
+            <a:picLocks noChangeAspect="1"/>
+          </p:cNvPicPr>
+          <p:nvPr>
+            <p:custDataLst>
+              <p:tags r:id="rId1"/>
+            </p:custDataLst>
+          </p:nvPr>
+        </p:nvPicPr>
+        <p:blipFill>
+          <a:blip r:embed="rId2"/>
+          <a:stretch>
+            <a:fillRect/>
+          </a:stretch>
+        </p:blipFill>
+        <p:spPr>
+          <a:xfrm>
+            <a:off x="1857375" y="1471930"/>
+            <a:ext cx="8810625" cy="4845050"/>
+          </a:xfrm>
+          <a:prstGeom prst="rect">
+            <a:avLst/>
+          </a:prstGeom>
+        </p:spPr>
+      </p:pic>
     </p:spTree>
   </p:cSld>
   <p:clrMapOvr>
@@ -5025,6 +6052,36 @@
 </file>
 
 <file path=ppt/tags/tag4.xml><?xml version="1.0" encoding="utf-8"?>
+<p:tagLst xmlns:p="http://schemas.openxmlformats.org/presentationml/2006/main">
+  <p:tag name="KSO_WM_BEAUTIFY_FLAG" val=""/>
+</p:tagLst>
+</file>
+
+<file path=ppt/tags/tag5.xml><?xml version="1.0" encoding="utf-8"?>
+<p:tagLst xmlns:p="http://schemas.openxmlformats.org/presentationml/2006/main">
+  <p:tag name="KSO_WM_BEAUTIFY_FLAG" val=""/>
+</p:tagLst>
+</file>
+
+<file path=ppt/tags/tag6.xml><?xml version="1.0" encoding="utf-8"?>
+<p:tagLst xmlns:p="http://schemas.openxmlformats.org/presentationml/2006/main">
+  <p:tag name="KSO_WM_BEAUTIFY_FLAG" val=""/>
+</p:tagLst>
+</file>
+
+<file path=ppt/tags/tag7.xml><?xml version="1.0" encoding="utf-8"?>
+<p:tagLst xmlns:p="http://schemas.openxmlformats.org/presentationml/2006/main">
+  <p:tag name="KSO_WM_BEAUTIFY_FLAG" val=""/>
+</p:tagLst>
+</file>
+
+<file path=ppt/tags/tag8.xml><?xml version="1.0" encoding="utf-8"?>
+<p:tagLst xmlns:p="http://schemas.openxmlformats.org/presentationml/2006/main">
+  <p:tag name="KSO_WM_BEAUTIFY_FLAG" val=""/>
+</p:tagLst>
+</file>
+
+<file path=ppt/tags/tag9.xml><?xml version="1.0" encoding="utf-8"?>
 <p:tagLst xmlns:p="http://schemas.openxmlformats.org/presentationml/2006/main">
   <p:tag name="KSO_WM_BEAUTIFY_FLAG" val=""/>
 </p:tagLst>
